--- a/Summary/20220124_microbiome_demographic_slides.pptx
+++ b/Summary/20220124_microbiome_demographic_slides.pptx
@@ -5,12 +5,14 @@
     <p:sldMasterId id="2147483648" r:id="rId1"/>
   </p:sldMasterIdLst>
   <p:notesMasterIdLst>
-    <p:notesMasterId r:id="rId5"/>
+    <p:notesMasterId r:id="rId7"/>
   </p:notesMasterIdLst>
   <p:sldIdLst>
     <p:sldId id="256" r:id="rId2"/>
     <p:sldId id="361" r:id="rId3"/>
-    <p:sldId id="362" r:id="rId4"/>
+    <p:sldId id="363" r:id="rId4"/>
+    <p:sldId id="364" r:id="rId5"/>
+    <p:sldId id="365" r:id="rId6"/>
   </p:sldIdLst>
   <p:sldSz cx="12192000" cy="6858000"/>
   <p:notesSz cx="6858000" cy="9144000"/>
@@ -116,7 +118,9 @@
           <p14:sldIdLst>
             <p14:sldId id="256"/>
             <p14:sldId id="361"/>
-            <p14:sldId id="362"/>
+            <p14:sldId id="363"/>
+            <p14:sldId id="364"/>
+            <p14:sldId id="365"/>
           </p14:sldIdLst>
         </p14:section>
       </p14:sectionLst>
@@ -128,12 +132,20 @@
 </p:presentation>
 </file>
 
+<file path=ppt/revisionInfo.xml><?xml version="1.0" encoding="utf-8"?>
+<p1510:revInfo xmlns:a="http://schemas.openxmlformats.org/drawingml/2006/main" xmlns:r="http://schemas.openxmlformats.org/officeDocument/2006/relationships" xmlns:p1510="http://schemas.microsoft.com/office/powerpoint/2015/10/main">
+  <p1510:revLst>
+    <p1510:client id="{A35C8F16-A4A0-44E6-95B2-098CCDDD8204}" v="45" dt="2022-01-24T23:00:58.953"/>
+  </p1510:revLst>
+</p1510:revInfo>
+</file>
+
 <file path=ppt/changesInfos/changesInfo1.xml><?xml version="1.0" encoding="utf-8"?>
 <pc:chgInfo xmlns:a="http://schemas.openxmlformats.org/drawingml/2006/main" xmlns:r="http://schemas.openxmlformats.org/officeDocument/2006/relationships" xmlns:ac="http://schemas.microsoft.com/office/drawing/2013/main/command" xmlns:pc="http://schemas.microsoft.com/office/powerpoint/2013/main/command">
   <pc:docChgLst>
     <pc:chgData name="Jonathan Mah" userId="5261b2f2f3e51194" providerId="LiveId" clId="{A35C8F16-A4A0-44E6-95B2-098CCDDD8204}"/>
-    <pc:docChg chg="custSel delSld modSld modSection">
-      <pc:chgData name="Jonathan Mah" userId="5261b2f2f3e51194" providerId="LiveId" clId="{A35C8F16-A4A0-44E6-95B2-098CCDDD8204}" dt="2022-01-24T19:13:20.572" v="317" actId="47"/>
+    <pc:docChg chg="undo custSel addSld delSld modSld modSection">
+      <pc:chgData name="Jonathan Mah" userId="5261b2f2f3e51194" providerId="LiveId" clId="{A35C8F16-A4A0-44E6-95B2-098CCDDD8204}" dt="2022-01-24T23:01:02.058" v="1277" actId="20577"/>
       <pc:docMkLst>
         <pc:docMk/>
       </pc:docMkLst>
@@ -173,17 +185,47 @@
         </pc:sldMkLst>
       </pc:sldChg>
       <pc:sldChg chg="modSp mod">
-        <pc:chgData name="Jonathan Mah" userId="5261b2f2f3e51194" providerId="LiveId" clId="{A35C8F16-A4A0-44E6-95B2-098CCDDD8204}" dt="2022-01-24T19:12:55.296" v="309" actId="20577"/>
+        <pc:chgData name="Jonathan Mah" userId="5261b2f2f3e51194" providerId="LiveId" clId="{A35C8F16-A4A0-44E6-95B2-098CCDDD8204}" dt="2022-01-24T23:00:00.187" v="1187" actId="6549"/>
         <pc:sldMkLst>
           <pc:docMk/>
           <pc:sldMk cId="1489358038" sldId="361"/>
         </pc:sldMkLst>
         <pc:spChg chg="mod">
-          <ac:chgData name="Jonathan Mah" userId="5261b2f2f3e51194" providerId="LiveId" clId="{A35C8F16-A4A0-44E6-95B2-098CCDDD8204}" dt="2022-01-24T19:12:55.296" v="309" actId="20577"/>
+          <ac:chgData name="Jonathan Mah" userId="5261b2f2f3e51194" providerId="LiveId" clId="{A35C8F16-A4A0-44E6-95B2-098CCDDD8204}" dt="2022-01-24T23:00:00.187" v="1187" actId="6549"/>
           <ac:spMkLst>
             <pc:docMk/>
             <pc:sldMk cId="1489358038" sldId="361"/>
             <ac:spMk id="3" creationId="{99A338B6-5D25-4181-BD8C-56E8086D33C0}"/>
+          </ac:spMkLst>
+        </pc:spChg>
+      </pc:sldChg>
+      <pc:sldChg chg="del">
+        <pc:chgData name="Jonathan Mah" userId="5261b2f2f3e51194" providerId="LiveId" clId="{A35C8F16-A4A0-44E6-95B2-098CCDDD8204}" dt="2022-01-24T22:15:38.276" v="829" actId="47"/>
+        <pc:sldMkLst>
+          <pc:docMk/>
+          <pc:sldMk cId="3350328623" sldId="362"/>
+        </pc:sldMkLst>
+      </pc:sldChg>
+      <pc:sldChg chg="modSp new mod">
+        <pc:chgData name="Jonathan Mah" userId="5261b2f2f3e51194" providerId="LiveId" clId="{A35C8F16-A4A0-44E6-95B2-098CCDDD8204}" dt="2022-01-24T22:14:48.369" v="649" actId="20577"/>
+        <pc:sldMkLst>
+          <pc:docMk/>
+          <pc:sldMk cId="2628592733" sldId="363"/>
+        </pc:sldMkLst>
+        <pc:spChg chg="mod">
+          <ac:chgData name="Jonathan Mah" userId="5261b2f2f3e51194" providerId="LiveId" clId="{A35C8F16-A4A0-44E6-95B2-098CCDDD8204}" dt="2022-01-24T22:12:51.025" v="367" actId="20577"/>
+          <ac:spMkLst>
+            <pc:docMk/>
+            <pc:sldMk cId="2628592733" sldId="363"/>
+            <ac:spMk id="2" creationId="{8BCDC7F3-0026-4ABC-A1FB-A556D653FBF1}"/>
+          </ac:spMkLst>
+        </pc:spChg>
+        <pc:spChg chg="mod">
+          <ac:chgData name="Jonathan Mah" userId="5261b2f2f3e51194" providerId="LiveId" clId="{A35C8F16-A4A0-44E6-95B2-098CCDDD8204}" dt="2022-01-24T22:14:48.369" v="649" actId="20577"/>
+          <ac:spMkLst>
+            <pc:docMk/>
+            <pc:sldMk cId="2628592733" sldId="363"/>
+            <ac:spMk id="3" creationId="{0185D601-86C1-40AA-B68A-90906EDD42C9}"/>
           </ac:spMkLst>
         </pc:spChg>
       </pc:sldChg>
@@ -201,12 +243,82 @@
           <pc:sldMk cId="909739255" sldId="364"/>
         </pc:sldMkLst>
       </pc:sldChg>
+      <pc:sldChg chg="modSp add mod">
+        <pc:chgData name="Jonathan Mah" userId="5261b2f2f3e51194" providerId="LiveId" clId="{A35C8F16-A4A0-44E6-95B2-098CCDDD8204}" dt="2022-01-24T23:00:21.669" v="1258" actId="20577"/>
+        <pc:sldMkLst>
+          <pc:docMk/>
+          <pc:sldMk cId="3311214161" sldId="364"/>
+        </pc:sldMkLst>
+        <pc:spChg chg="mod">
+          <ac:chgData name="Jonathan Mah" userId="5261b2f2f3e51194" providerId="LiveId" clId="{A35C8F16-A4A0-44E6-95B2-098CCDDD8204}" dt="2022-01-24T22:14:52.426" v="651" actId="20577"/>
+          <ac:spMkLst>
+            <pc:docMk/>
+            <pc:sldMk cId="3311214161" sldId="364"/>
+            <ac:spMk id="2" creationId="{8BCDC7F3-0026-4ABC-A1FB-A556D653FBF1}"/>
+          </ac:spMkLst>
+        </pc:spChg>
+        <pc:spChg chg="mod">
+          <ac:chgData name="Jonathan Mah" userId="5261b2f2f3e51194" providerId="LiveId" clId="{A35C8F16-A4A0-44E6-95B2-098CCDDD8204}" dt="2022-01-24T23:00:21.669" v="1258" actId="20577"/>
+          <ac:spMkLst>
+            <pc:docMk/>
+            <pc:sldMk cId="3311214161" sldId="364"/>
+            <ac:spMk id="3" creationId="{0185D601-86C1-40AA-B68A-90906EDD42C9}"/>
+          </ac:spMkLst>
+        </pc:spChg>
+      </pc:sldChg>
       <pc:sldChg chg="del">
         <pc:chgData name="Jonathan Mah" userId="5261b2f2f3e51194" providerId="LiveId" clId="{A35C8F16-A4A0-44E6-95B2-098CCDDD8204}" dt="2022-01-24T19:13:11.232" v="315" actId="47"/>
         <pc:sldMkLst>
           <pc:docMk/>
           <pc:sldMk cId="398067140" sldId="365"/>
         </pc:sldMkLst>
+      </pc:sldChg>
+      <pc:sldChg chg="addSp delSp modSp new mod">
+        <pc:chgData name="Jonathan Mah" userId="5261b2f2f3e51194" providerId="LiveId" clId="{A35C8F16-A4A0-44E6-95B2-098CCDDD8204}" dt="2022-01-24T23:01:02.058" v="1277" actId="20577"/>
+        <pc:sldMkLst>
+          <pc:docMk/>
+          <pc:sldMk cId="3869209520" sldId="365"/>
+        </pc:sldMkLst>
+        <pc:spChg chg="mod">
+          <ac:chgData name="Jonathan Mah" userId="5261b2f2f3e51194" providerId="LiveId" clId="{A35C8F16-A4A0-44E6-95B2-098CCDDD8204}" dt="2022-01-24T22:18:09.785" v="993" actId="20577"/>
+          <ac:spMkLst>
+            <pc:docMk/>
+            <pc:sldMk cId="3869209520" sldId="365"/>
+            <ac:spMk id="2" creationId="{790D2107-1CCB-4A4B-A0A1-34E2D1D137C9}"/>
+          </ac:spMkLst>
+        </pc:spChg>
+        <pc:spChg chg="del">
+          <ac:chgData name="Jonathan Mah" userId="5261b2f2f3e51194" providerId="LiveId" clId="{A35C8F16-A4A0-44E6-95B2-098CCDDD8204}" dt="2022-01-24T22:16:35.521" v="838" actId="478"/>
+          <ac:spMkLst>
+            <pc:docMk/>
+            <pc:sldMk cId="3869209520" sldId="365"/>
+            <ac:spMk id="3" creationId="{43DC0297-7767-4DA7-A1F8-19A7FBE6BD10}"/>
+          </ac:spMkLst>
+        </pc:spChg>
+        <pc:graphicFrameChg chg="add mod modGraphic">
+          <ac:chgData name="Jonathan Mah" userId="5261b2f2f3e51194" providerId="LiveId" clId="{A35C8F16-A4A0-44E6-95B2-098CCDDD8204}" dt="2022-01-24T22:36:23.861" v="1166"/>
+          <ac:graphicFrameMkLst>
+            <pc:docMk/>
+            <pc:sldMk cId="3869209520" sldId="365"/>
+            <ac:graphicFrameMk id="4" creationId="{9E9C2D6D-C88A-4673-80AA-945CF4B768D4}"/>
+          </ac:graphicFrameMkLst>
+        </pc:graphicFrameChg>
+        <pc:graphicFrameChg chg="add mod modGraphic">
+          <ac:chgData name="Jonathan Mah" userId="5261b2f2f3e51194" providerId="LiveId" clId="{A35C8F16-A4A0-44E6-95B2-098CCDDD8204}" dt="2022-01-24T23:01:02.058" v="1277" actId="20577"/>
+          <ac:graphicFrameMkLst>
+            <pc:docMk/>
+            <pc:sldMk cId="3869209520" sldId="365"/>
+            <ac:graphicFrameMk id="5" creationId="{33C1E931-5DCE-44D1-8B5E-03DF8DCA05A8}"/>
+          </ac:graphicFrameMkLst>
+        </pc:graphicFrameChg>
+        <pc:graphicFrameChg chg="add del">
+          <ac:chgData name="Jonathan Mah" userId="5261b2f2f3e51194" providerId="LiveId" clId="{A35C8F16-A4A0-44E6-95B2-098CCDDD8204}" dt="2022-01-24T22:19:33.794" v="1092" actId="478"/>
+          <ac:graphicFrameMkLst>
+            <pc:docMk/>
+            <pc:sldMk cId="3869209520" sldId="365"/>
+            <ac:graphicFrameMk id="6" creationId="{D4F18CC7-DB3E-402D-BA5C-618EA0501A62}"/>
+          </ac:graphicFrameMkLst>
+        </pc:graphicFrameChg>
       </pc:sldChg>
     </pc:docChg>
   </pc:docChgLst>
@@ -3972,14 +4084,19 @@
           <a:p>
             <a:r>
               <a:rPr lang="en-US" dirty="0"/>
-              <a:t>Likelihood computation for 0 Epoch Dadi models (multiple methods)</a:t>
+              <a:t>Likelihood computation for 0 Epoch Dadi models (two methods)</a:t>
             </a:r>
           </a:p>
           <a:p>
             <a:r>
               <a:rPr lang="en-US" dirty="0"/>
-              <a:t>Documentation cleaned up</a:t>
-            </a:r>
+              <a:t>Documentation clean up </a:t>
+            </a:r>
+            <a:r>
+              <a:rPr lang="en-US" dirty="0" err="1"/>
+              <a:t>wip</a:t>
+            </a:r>
+            <a:endParaRPr lang="en-US" dirty="0"/>
           </a:p>
           <a:p>
             <a:r>
@@ -3994,16 +4111,6 @@
               <a:rPr lang="en-US" dirty="0"/>
               <a:t> and genes step is still running (&gt;= 7 days run time, had to restart for some)</a:t>
             </a:r>
-          </a:p>
-          <a:p>
-            <a:pPr lvl="1"/>
-            <a:r>
-              <a:rPr lang="en-US" dirty="0"/>
-              <a:t>Some of them worked, let’s check in to make sure I’m getting the right outputs</a:t>
-            </a:r>
-          </a:p>
-          <a:p>
-            <a:endParaRPr lang="en-US" dirty="0"/>
           </a:p>
           <a:p>
             <a:endParaRPr lang="en-US" dirty="0"/>
@@ -4045,7 +4152,7 @@
           <p:cNvPr id="2" name="Title 1">
             <a:extLst>
               <a:ext uri="{FF2B5EF4-FFF2-40B4-BE49-F238E27FC236}">
-                <a16:creationId xmlns:a16="http://schemas.microsoft.com/office/drawing/2014/main" id="{85A14CEF-6FF1-4BF8-9C33-712419ABD7A6}"/>
+                <a16:creationId xmlns:a16="http://schemas.microsoft.com/office/drawing/2014/main" id="{8BCDC7F3-0026-4ABC-A1FB-A556D653FBF1}"/>
               </a:ext>
             </a:extLst>
           </p:cNvPr>
@@ -4063,7 +4170,7 @@
           <a:p>
             <a:r>
               <a:rPr lang="en-US" dirty="0"/>
-              <a:t>Misc. other analysis that I want to follow up on later</a:t>
+              <a:t>Methodology 1 (one epoch models)</a:t>
             </a:r>
           </a:p>
         </p:txBody>
@@ -4073,7 +4180,7 @@
           <p:cNvPr id="3" name="Content Placeholder 2">
             <a:extLst>
               <a:ext uri="{FF2B5EF4-FFF2-40B4-BE49-F238E27FC236}">
-                <a16:creationId xmlns:a16="http://schemas.microsoft.com/office/drawing/2014/main" id="{2142E641-2725-412C-ABC2-4F6F89262554}"/>
+                <a16:creationId xmlns:a16="http://schemas.microsoft.com/office/drawing/2014/main" id="{0185D601-86C1-40AA-B68A-90906EDD42C9}"/>
               </a:ext>
             </a:extLst>
           </p:cNvPr>
@@ -4091,7 +4198,19 @@
           <a:p>
             <a:r>
               <a:rPr lang="en-US" dirty="0"/>
-              <a:t>See next few slide(s)</a:t>
+              <a:t>removed nu and T as inferred params</a:t>
+            </a:r>
+          </a:p>
+          <a:p>
+            <a:r>
+              <a:rPr lang="en-US" dirty="0"/>
+              <a:t>Spectrum is not integrated over time (since nu and T are not inferred)</a:t>
+            </a:r>
+          </a:p>
+          <a:p>
+            <a:r>
+              <a:rPr lang="en-US" dirty="0"/>
+              <a:t>Only fit model spectrum to data, model given by standard neutral model with constant population size</a:t>
             </a:r>
           </a:p>
         </p:txBody>
@@ -4099,7 +4218,1136 @@
     </p:spTree>
     <p:extLst>
       <p:ext uri="{BB962C8B-B14F-4D97-AF65-F5344CB8AC3E}">
-        <p14:creationId xmlns:p14="http://schemas.microsoft.com/office/powerpoint/2010/main" val="3350328623"/>
+        <p14:creationId xmlns:p14="http://schemas.microsoft.com/office/powerpoint/2010/main" val="2628592733"/>
+      </p:ext>
+    </p:extLst>
+  </p:cSld>
+  <p:clrMapOvr>
+    <a:masterClrMapping/>
+  </p:clrMapOvr>
+</p:sld>
+</file>
+
+<file path=ppt/slides/slide4.xml><?xml version="1.0" encoding="utf-8"?>
+<p:sld xmlns:a="http://schemas.openxmlformats.org/drawingml/2006/main" xmlns:r="http://schemas.openxmlformats.org/officeDocument/2006/relationships" xmlns:p="http://schemas.openxmlformats.org/presentationml/2006/main">
+  <p:cSld>
+    <p:spTree>
+      <p:nvGrpSpPr>
+        <p:cNvPr id="1" name=""/>
+        <p:cNvGrpSpPr/>
+        <p:nvPr/>
+      </p:nvGrpSpPr>
+      <p:grpSpPr>
+        <a:xfrm>
+          <a:off x="0" y="0"/>
+          <a:ext cx="0" cy="0"/>
+          <a:chOff x="0" y="0"/>
+          <a:chExt cx="0" cy="0"/>
+        </a:xfrm>
+      </p:grpSpPr>
+      <p:sp>
+        <p:nvSpPr>
+          <p:cNvPr id="2" name="Title 1">
+            <a:extLst>
+              <a:ext uri="{FF2B5EF4-FFF2-40B4-BE49-F238E27FC236}">
+                <a16:creationId xmlns:a16="http://schemas.microsoft.com/office/drawing/2014/main" id="{8BCDC7F3-0026-4ABC-A1FB-A556D653FBF1}"/>
+              </a:ext>
+            </a:extLst>
+          </p:cNvPr>
+          <p:cNvSpPr>
+            <a:spLocks noGrp="1"/>
+          </p:cNvSpPr>
+          <p:nvPr>
+            <p:ph type="title"/>
+          </p:nvPr>
+        </p:nvSpPr>
+        <p:spPr/>
+        <p:txBody>
+          <a:bodyPr/>
+          <a:lstStyle/>
+          <a:p>
+            <a:r>
+              <a:rPr lang="en-US" dirty="0"/>
+              <a:t>Methodology 2 (one epoch models)</a:t>
+            </a:r>
+          </a:p>
+        </p:txBody>
+      </p:sp>
+      <p:sp>
+        <p:nvSpPr>
+          <p:cNvPr id="3" name="Content Placeholder 2">
+            <a:extLst>
+              <a:ext uri="{FF2B5EF4-FFF2-40B4-BE49-F238E27FC236}">
+                <a16:creationId xmlns:a16="http://schemas.microsoft.com/office/drawing/2014/main" id="{0185D601-86C1-40AA-B68A-90906EDD42C9}"/>
+              </a:ext>
+            </a:extLst>
+          </p:cNvPr>
+          <p:cNvSpPr>
+            <a:spLocks noGrp="1"/>
+          </p:cNvSpPr>
+          <p:nvPr>
+            <p:ph idx="1"/>
+          </p:nvPr>
+        </p:nvSpPr>
+        <p:spPr/>
+        <p:txBody>
+          <a:bodyPr/>
+          <a:lstStyle/>
+          <a:p>
+            <a:r>
+              <a:rPr lang="en-US" dirty="0"/>
+              <a:t>Compute expected SFS under constant population size</a:t>
+            </a:r>
+          </a:p>
+          <a:p>
+            <a:pPr lvl="1"/>
+            <a:r>
+              <a:rPr lang="en-US" dirty="0"/>
+              <a:t>Proportional SFS should match 1 / </a:t>
+            </a:r>
+            <a:r>
+              <a:rPr lang="en-US" dirty="0" err="1"/>
+              <a:t>i</a:t>
+            </a:r>
+            <a:r>
+              <a:rPr lang="en-US" dirty="0"/>
+              <a:t>, where </a:t>
+            </a:r>
+            <a:r>
+              <a:rPr lang="en-US" dirty="0" err="1"/>
+              <a:t>i</a:t>
+            </a:r>
+            <a:r>
+              <a:rPr lang="en-US" dirty="0"/>
+              <a:t> is the corresponding bin</a:t>
+            </a:r>
+          </a:p>
+          <a:p>
+            <a:r>
+              <a:rPr lang="en-US" dirty="0"/>
+              <a:t>Fold expected SFS and mask singletons</a:t>
+            </a:r>
+          </a:p>
+          <a:p>
+            <a:r>
+              <a:rPr lang="en-US" dirty="0"/>
+              <a:t>Scale expected SFS to same SNP total as given data</a:t>
+            </a:r>
+          </a:p>
+          <a:p>
+            <a:r>
+              <a:rPr lang="en-US" dirty="0"/>
+              <a:t>compare log likelihood</a:t>
+            </a:r>
+          </a:p>
+        </p:txBody>
+      </p:sp>
+    </p:spTree>
+    <p:extLst>
+      <p:ext uri="{BB962C8B-B14F-4D97-AF65-F5344CB8AC3E}">
+        <p14:creationId xmlns:p14="http://schemas.microsoft.com/office/powerpoint/2010/main" val="3311214161"/>
+      </p:ext>
+    </p:extLst>
+  </p:cSld>
+  <p:clrMapOvr>
+    <a:masterClrMapping/>
+  </p:clrMapOvr>
+</p:sld>
+</file>
+
+<file path=ppt/slides/slide5.xml><?xml version="1.0" encoding="utf-8"?>
+<p:sld xmlns:a="http://schemas.openxmlformats.org/drawingml/2006/main" xmlns:r="http://schemas.openxmlformats.org/officeDocument/2006/relationships" xmlns:p="http://schemas.openxmlformats.org/presentationml/2006/main">
+  <p:cSld>
+    <p:spTree>
+      <p:nvGrpSpPr>
+        <p:cNvPr id="1" name=""/>
+        <p:cNvGrpSpPr/>
+        <p:nvPr/>
+      </p:nvGrpSpPr>
+      <p:grpSpPr>
+        <a:xfrm>
+          <a:off x="0" y="0"/>
+          <a:ext cx="0" cy="0"/>
+          <a:chOff x="0" y="0"/>
+          <a:chExt cx="0" cy="0"/>
+        </a:xfrm>
+      </p:grpSpPr>
+      <p:sp>
+        <p:nvSpPr>
+          <p:cNvPr id="2" name="Title 1">
+            <a:extLst>
+              <a:ext uri="{FF2B5EF4-FFF2-40B4-BE49-F238E27FC236}">
+                <a16:creationId xmlns:a16="http://schemas.microsoft.com/office/drawing/2014/main" id="{790D2107-1CCB-4A4B-A0A1-34E2D1D137C9}"/>
+              </a:ext>
+            </a:extLst>
+          </p:cNvPr>
+          <p:cNvSpPr>
+            <a:spLocks noGrp="1"/>
+          </p:cNvSpPr>
+          <p:nvPr>
+            <p:ph type="title"/>
+          </p:nvPr>
+        </p:nvSpPr>
+        <p:spPr/>
+        <p:txBody>
+          <a:bodyPr/>
+          <a:lstStyle/>
+          <a:p>
+            <a:r>
+              <a:rPr lang="en-US" dirty="0"/>
+              <a:t>Log Likelihood Results</a:t>
+            </a:r>
+          </a:p>
+        </p:txBody>
+      </p:sp>
+      <p:graphicFrame>
+        <p:nvGraphicFramePr>
+          <p:cNvPr id="4" name="Table 4">
+            <a:extLst>
+              <a:ext uri="{FF2B5EF4-FFF2-40B4-BE49-F238E27FC236}">
+                <a16:creationId xmlns:a16="http://schemas.microsoft.com/office/drawing/2014/main" id="{9E9C2D6D-C88A-4673-80AA-945CF4B768D4}"/>
+              </a:ext>
+            </a:extLst>
+          </p:cNvPr>
+          <p:cNvGraphicFramePr>
+            <a:graphicFrameLocks noGrp="1"/>
+          </p:cNvGraphicFramePr>
+          <p:nvPr>
+            <p:extLst>
+              <p:ext uri="{D42A27DB-BD31-4B8C-83A1-F6EECF244321}">
+                <p14:modId xmlns:p14="http://schemas.microsoft.com/office/powerpoint/2010/main" val="2266605178"/>
+              </p:ext>
+            </p:extLst>
+          </p:nvPr>
+        </p:nvGraphicFramePr>
+        <p:xfrm>
+          <a:off x="397041" y="1945639"/>
+          <a:ext cx="11562348" cy="1904464"/>
+        </p:xfrm>
+        <a:graphic>
+          <a:graphicData uri="http://schemas.openxmlformats.org/drawingml/2006/table">
+            <a:tbl>
+              <a:tblPr firstRow="1" bandRow="1">
+                <a:tableStyleId>{073A0DAA-6AF3-43AB-8588-CEC1D06C72B9}</a:tableStyleId>
+              </a:tblPr>
+              <a:tblGrid>
+                <a:gridCol w="1927058">
+                  <a:extLst>
+                    <a:ext uri="{9D8B030D-6E8A-4147-A177-3AD203B41FA5}">
+                      <a16:colId xmlns:a16="http://schemas.microsoft.com/office/drawing/2014/main" val="424002301"/>
+                    </a:ext>
+                  </a:extLst>
+                </a:gridCol>
+                <a:gridCol w="1927058">
+                  <a:extLst>
+                    <a:ext uri="{9D8B030D-6E8A-4147-A177-3AD203B41FA5}">
+                      <a16:colId xmlns:a16="http://schemas.microsoft.com/office/drawing/2014/main" val="14533387"/>
+                    </a:ext>
+                  </a:extLst>
+                </a:gridCol>
+                <a:gridCol w="1927058">
+                  <a:extLst>
+                    <a:ext uri="{9D8B030D-6E8A-4147-A177-3AD203B41FA5}">
+                      <a16:colId xmlns:a16="http://schemas.microsoft.com/office/drawing/2014/main" val="429341946"/>
+                    </a:ext>
+                  </a:extLst>
+                </a:gridCol>
+                <a:gridCol w="1927058">
+                  <a:extLst>
+                    <a:ext uri="{9D8B030D-6E8A-4147-A177-3AD203B41FA5}">
+                      <a16:colId xmlns:a16="http://schemas.microsoft.com/office/drawing/2014/main" val="190986599"/>
+                    </a:ext>
+                  </a:extLst>
+                </a:gridCol>
+                <a:gridCol w="1927058">
+                  <a:extLst>
+                    <a:ext uri="{9D8B030D-6E8A-4147-A177-3AD203B41FA5}">
+                      <a16:colId xmlns:a16="http://schemas.microsoft.com/office/drawing/2014/main" val="3291560764"/>
+                    </a:ext>
+                  </a:extLst>
+                </a:gridCol>
+                <a:gridCol w="1927058">
+                  <a:extLst>
+                    <a:ext uri="{9D8B030D-6E8A-4147-A177-3AD203B41FA5}">
+                      <a16:colId xmlns:a16="http://schemas.microsoft.com/office/drawing/2014/main" val="3562168247"/>
+                    </a:ext>
+                  </a:extLst>
+                </a:gridCol>
+              </a:tblGrid>
+              <a:tr h="476116">
+                <a:tc>
+                  <a:txBody>
+                    <a:bodyPr/>
+                    <a:lstStyle/>
+                    <a:p>
+                      <a:r>
+                        <a:rPr lang="en-US" sz="1500" dirty="0"/>
+                        <a:t>Species</a:t>
+                      </a:r>
+                    </a:p>
+                  </a:txBody>
+                  <a:tcPr/>
+                </a:tc>
+                <a:tc>
+                  <a:txBody>
+                    <a:bodyPr/>
+                    <a:lstStyle/>
+                    <a:p>
+                      <a:pPr marL="342900" indent="-342900">
+                        <a:buAutoNum type="alphaUcPeriod"/>
+                      </a:pPr>
+                      <a:r>
+                        <a:rPr lang="en-US" sz="1500" dirty="0" err="1"/>
+                        <a:t>finegoldii</a:t>
+                      </a:r>
+                      <a:endParaRPr lang="en-US" sz="1500" dirty="0"/>
+                    </a:p>
+                  </a:txBody>
+                  <a:tcPr/>
+                </a:tc>
+                <a:tc>
+                  <a:txBody>
+                    <a:bodyPr/>
+                    <a:lstStyle/>
+                    <a:p>
+                      <a:pPr marL="342900" indent="-342900">
+                        <a:buAutoNum type="alphaUcPeriod"/>
+                      </a:pPr>
+                      <a:r>
+                        <a:rPr lang="en-US" sz="1500" dirty="0" err="1"/>
+                        <a:t>muciniphila</a:t>
+                      </a:r>
+                      <a:endParaRPr lang="en-US" sz="1500" dirty="0"/>
+                    </a:p>
+                  </a:txBody>
+                  <a:tcPr/>
+                </a:tc>
+                <a:tc>
+                  <a:txBody>
+                    <a:bodyPr/>
+                    <a:lstStyle/>
+                    <a:p>
+                      <a:pPr marL="342900" marR="0" lvl="0" indent="-342900" algn="l" defTabSz="914400" rtl="0" eaLnBrk="1" fontAlgn="auto" latinLnBrk="0" hangingPunct="1">
+                        <a:lnSpc>
+                          <a:spcPct val="100000"/>
+                        </a:lnSpc>
+                        <a:spcBef>
+                          <a:spcPts val="0"/>
+                        </a:spcBef>
+                        <a:spcAft>
+                          <a:spcPts val="0"/>
+                        </a:spcAft>
+                        <a:buClrTx/>
+                        <a:buSzTx/>
+                        <a:buFontTx/>
+                        <a:buAutoNum type="alphaUcPeriod"/>
+                        <a:tabLst/>
+                        <a:defRPr/>
+                      </a:pPr>
+                      <a:r>
+                        <a:rPr lang="en-US" sz="1500" dirty="0" err="1"/>
+                        <a:t>putredinis</a:t>
+                      </a:r>
+                      <a:endParaRPr lang="en-US" sz="1500" dirty="0"/>
+                    </a:p>
+                  </a:txBody>
+                  <a:tcPr/>
+                </a:tc>
+                <a:tc>
+                  <a:txBody>
+                    <a:bodyPr/>
+                    <a:lstStyle/>
+                    <a:p>
+                      <a:pPr marL="0" indent="0">
+                        <a:buNone/>
+                      </a:pPr>
+                      <a:r>
+                        <a:rPr lang="en-US" sz="1500" dirty="0"/>
+                        <a:t>A. </a:t>
+                      </a:r>
+                      <a:r>
+                        <a:rPr lang="en-US" sz="1500" dirty="0" err="1"/>
+                        <a:t>shahii</a:t>
+                      </a:r>
+                      <a:endParaRPr lang="en-US" sz="1500" dirty="0"/>
+                    </a:p>
+                  </a:txBody>
+                  <a:tcPr/>
+                </a:tc>
+                <a:tc>
+                  <a:txBody>
+                    <a:bodyPr/>
+                    <a:lstStyle/>
+                    <a:p>
+                      <a:pPr marL="0" marR="0" lvl="0" indent="0" algn="l" defTabSz="914400" rtl="0" eaLnBrk="1" fontAlgn="auto" latinLnBrk="0" hangingPunct="1">
+                        <a:lnSpc>
+                          <a:spcPct val="100000"/>
+                        </a:lnSpc>
+                        <a:spcBef>
+                          <a:spcPts val="0"/>
+                        </a:spcBef>
+                        <a:spcAft>
+                          <a:spcPts val="0"/>
+                        </a:spcAft>
+                        <a:buClrTx/>
+                        <a:buSzTx/>
+                        <a:buFontTx/>
+                        <a:buNone/>
+                        <a:tabLst/>
+                        <a:defRPr/>
+                      </a:pPr>
+                      <a:r>
+                        <a:rPr lang="en-US" sz="1500" dirty="0"/>
+                        <a:t>B. </a:t>
+                      </a:r>
+                      <a:r>
+                        <a:rPr lang="en-US" sz="1500" dirty="0" err="1"/>
+                        <a:t>caccae</a:t>
+                      </a:r>
+                      <a:endParaRPr lang="en-US" sz="1500" dirty="0"/>
+                    </a:p>
+                  </a:txBody>
+                  <a:tcPr/>
+                </a:tc>
+                <a:extLst>
+                  <a:ext uri="{0D108BD9-81ED-4DB2-BD59-A6C34878D82A}">
+                    <a16:rowId xmlns:a16="http://schemas.microsoft.com/office/drawing/2014/main" val="3127817436"/>
+                  </a:ext>
+                </a:extLst>
+              </a:tr>
+              <a:tr h="476116">
+                <a:tc>
+                  <a:txBody>
+                    <a:bodyPr/>
+                    <a:lstStyle/>
+                    <a:p>
+                      <a:r>
+                        <a:rPr lang="en-US" sz="1500" dirty="0"/>
+                        <a:t>Two Epoch</a:t>
+                      </a:r>
+                    </a:p>
+                  </a:txBody>
+                  <a:tcPr/>
+                </a:tc>
+                <a:tc>
+                  <a:txBody>
+                    <a:bodyPr/>
+                    <a:lstStyle/>
+                    <a:p>
+                      <a:r>
+                        <a:rPr lang="en-US" sz="1500" dirty="0"/>
+                        <a:t>-322.838445518</a:t>
+                      </a:r>
+                    </a:p>
+                  </a:txBody>
+                  <a:tcPr/>
+                </a:tc>
+                <a:tc>
+                  <a:txBody>
+                    <a:bodyPr/>
+                    <a:lstStyle/>
+                    <a:p>
+                      <a:r>
+                        <a:rPr lang="en-US" sz="1500" dirty="0"/>
+                        <a:t>-108.804915489</a:t>
+                      </a:r>
+                    </a:p>
+                  </a:txBody>
+                  <a:tcPr/>
+                </a:tc>
+                <a:tc>
+                  <a:txBody>
+                    <a:bodyPr/>
+                    <a:lstStyle/>
+                    <a:p>
+                      <a:r>
+                        <a:rPr lang="en-US" sz="1500" dirty="0"/>
+                        <a:t>-1377.6483033</a:t>
+                      </a:r>
+                    </a:p>
+                  </a:txBody>
+                  <a:tcPr/>
+                </a:tc>
+                <a:tc>
+                  <a:txBody>
+                    <a:bodyPr/>
+                    <a:lstStyle/>
+                    <a:p>
+                      <a:r>
+                        <a:rPr lang="en-US" sz="1500" dirty="0"/>
+                        <a:t>-216.820753804</a:t>
+                      </a:r>
+                    </a:p>
+                  </a:txBody>
+                  <a:tcPr/>
+                </a:tc>
+                <a:tc>
+                  <a:txBody>
+                    <a:bodyPr/>
+                    <a:lstStyle/>
+                    <a:p>
+                      <a:r>
+                        <a:rPr lang="en-US" sz="1500" dirty="0"/>
+                        <a:t>-97.8013529137</a:t>
+                      </a:r>
+                    </a:p>
+                  </a:txBody>
+                  <a:tcPr/>
+                </a:tc>
+                <a:extLst>
+                  <a:ext uri="{0D108BD9-81ED-4DB2-BD59-A6C34878D82A}">
+                    <a16:rowId xmlns:a16="http://schemas.microsoft.com/office/drawing/2014/main" val="403070783"/>
+                  </a:ext>
+                </a:extLst>
+              </a:tr>
+              <a:tr h="476116">
+                <a:tc>
+                  <a:txBody>
+                    <a:bodyPr/>
+                    <a:lstStyle/>
+                    <a:p>
+                      <a:r>
+                        <a:rPr lang="en-US" sz="1500" dirty="0"/>
+                        <a:t>One Epoch (SNM)</a:t>
+                      </a:r>
+                    </a:p>
+                  </a:txBody>
+                  <a:tcPr/>
+                </a:tc>
+                <a:tc>
+                  <a:txBody>
+                    <a:bodyPr/>
+                    <a:lstStyle/>
+                    <a:p>
+                      <a:r>
+                        <a:rPr lang="en-US" sz="1500" dirty="0"/>
+                        <a:t>-479.21577207</a:t>
+                      </a:r>
+                    </a:p>
+                  </a:txBody>
+                  <a:tcPr/>
+                </a:tc>
+                <a:tc>
+                  <a:txBody>
+                    <a:bodyPr/>
+                    <a:lstStyle/>
+                    <a:p>
+                      <a:r>
+                        <a:rPr lang="en-US" sz="1500" dirty="0"/>
+                        <a:t>-154.628390672</a:t>
+                      </a:r>
+                    </a:p>
+                  </a:txBody>
+                  <a:tcPr/>
+                </a:tc>
+                <a:tc>
+                  <a:txBody>
+                    <a:bodyPr/>
+                    <a:lstStyle/>
+                    <a:p>
+                      <a:r>
+                        <a:rPr lang="en-US" sz="1500" dirty="0"/>
+                        <a:t>-1377.64826898</a:t>
+                      </a:r>
+                    </a:p>
+                  </a:txBody>
+                  <a:tcPr/>
+                </a:tc>
+                <a:tc>
+                  <a:txBody>
+                    <a:bodyPr/>
+                    <a:lstStyle/>
+                    <a:p>
+                      <a:r>
+                        <a:rPr lang="en-US" sz="1500" dirty="0"/>
+                        <a:t>-216.820715173</a:t>
+                      </a:r>
+                    </a:p>
+                  </a:txBody>
+                  <a:tcPr/>
+                </a:tc>
+                <a:tc>
+                  <a:txBody>
+                    <a:bodyPr/>
+                    <a:lstStyle/>
+                    <a:p>
+                      <a:r>
+                        <a:rPr lang="en-US" sz="1500" dirty="0"/>
+                        <a:t>-98.8749495265</a:t>
+                      </a:r>
+                    </a:p>
+                  </a:txBody>
+                  <a:tcPr/>
+                </a:tc>
+                <a:extLst>
+                  <a:ext uri="{0D108BD9-81ED-4DB2-BD59-A6C34878D82A}">
+                    <a16:rowId xmlns:a16="http://schemas.microsoft.com/office/drawing/2014/main" val="363249991"/>
+                  </a:ext>
+                </a:extLst>
+              </a:tr>
+              <a:tr h="476116">
+                <a:tc>
+                  <a:txBody>
+                    <a:bodyPr/>
+                    <a:lstStyle/>
+                    <a:p>
+                      <a:r>
+                        <a:rPr lang="en-US" sz="1500" dirty="0"/>
+                        <a:t>Expected SFS</a:t>
+                      </a:r>
+                    </a:p>
+                  </a:txBody>
+                  <a:tcPr/>
+                </a:tc>
+                <a:tc>
+                  <a:txBody>
+                    <a:bodyPr/>
+                    <a:lstStyle/>
+                    <a:p>
+                      <a:r>
+                        <a:rPr lang="en-US" sz="1500" dirty="0"/>
+                        <a:t>-264.6262745484863</a:t>
+                      </a:r>
+                    </a:p>
+                  </a:txBody>
+                  <a:tcPr/>
+                </a:tc>
+                <a:tc>
+                  <a:txBody>
+                    <a:bodyPr/>
+                    <a:lstStyle/>
+                    <a:p>
+                      <a:r>
+                        <a:rPr lang="en-US" sz="1500" dirty="0"/>
+                        <a:t>-129.9087980743952</a:t>
+                      </a:r>
+                    </a:p>
+                  </a:txBody>
+                  <a:tcPr/>
+                </a:tc>
+                <a:tc>
+                  <a:txBody>
+                    <a:bodyPr/>
+                    <a:lstStyle/>
+                    <a:p>
+                      <a:r>
+                        <a:rPr lang="en-US" sz="1500" dirty="0"/>
+                        <a:t>-1898.464561480495</a:t>
+                      </a:r>
+                    </a:p>
+                  </a:txBody>
+                  <a:tcPr/>
+                </a:tc>
+                <a:tc>
+                  <a:txBody>
+                    <a:bodyPr/>
+                    <a:lstStyle/>
+                    <a:p>
+                      <a:r>
+                        <a:rPr lang="en-US" sz="1500" dirty="0"/>
+                        <a:t>-459.7480084148304</a:t>
+                      </a:r>
+                    </a:p>
+                  </a:txBody>
+                  <a:tcPr/>
+                </a:tc>
+                <a:tc>
+                  <a:txBody>
+                    <a:bodyPr/>
+                    <a:lstStyle/>
+                    <a:p>
+                      <a:r>
+                        <a:rPr lang="en-US" sz="1500" dirty="0"/>
+                        <a:t>-139.7338933844255</a:t>
+                      </a:r>
+                    </a:p>
+                  </a:txBody>
+                  <a:tcPr/>
+                </a:tc>
+                <a:extLst>
+                  <a:ext uri="{0D108BD9-81ED-4DB2-BD59-A6C34878D82A}">
+                    <a16:rowId xmlns:a16="http://schemas.microsoft.com/office/drawing/2014/main" val="3929492414"/>
+                  </a:ext>
+                </a:extLst>
+              </a:tr>
+            </a:tbl>
+          </a:graphicData>
+        </a:graphic>
+      </p:graphicFrame>
+      <p:graphicFrame>
+        <p:nvGraphicFramePr>
+          <p:cNvPr id="5" name="Table 4">
+            <a:extLst>
+              <a:ext uri="{FF2B5EF4-FFF2-40B4-BE49-F238E27FC236}">
+                <a16:creationId xmlns:a16="http://schemas.microsoft.com/office/drawing/2014/main" id="{33C1E931-5DCE-44D1-8B5E-03DF8DCA05A8}"/>
+              </a:ext>
+            </a:extLst>
+          </p:cNvPr>
+          <p:cNvGraphicFramePr>
+            <a:graphicFrameLocks noGrp="1"/>
+          </p:cNvGraphicFramePr>
+          <p:nvPr>
+            <p:extLst>
+              <p:ext uri="{D42A27DB-BD31-4B8C-83A1-F6EECF244321}">
+                <p14:modId xmlns:p14="http://schemas.microsoft.com/office/powerpoint/2010/main" val="2140473777"/>
+              </p:ext>
+            </p:extLst>
+          </p:nvPr>
+        </p:nvGraphicFramePr>
+        <p:xfrm>
+          <a:off x="397040" y="4311850"/>
+          <a:ext cx="11562348" cy="1976988"/>
+        </p:xfrm>
+        <a:graphic>
+          <a:graphicData uri="http://schemas.openxmlformats.org/drawingml/2006/table">
+            <a:tbl>
+              <a:tblPr firstRow="1" bandRow="1">
+                <a:tableStyleId>{073A0DAA-6AF3-43AB-8588-CEC1D06C72B9}</a:tableStyleId>
+              </a:tblPr>
+              <a:tblGrid>
+                <a:gridCol w="1927058">
+                  <a:extLst>
+                    <a:ext uri="{9D8B030D-6E8A-4147-A177-3AD203B41FA5}">
+                      <a16:colId xmlns:a16="http://schemas.microsoft.com/office/drawing/2014/main" val="424002301"/>
+                    </a:ext>
+                  </a:extLst>
+                </a:gridCol>
+                <a:gridCol w="1927058">
+                  <a:extLst>
+                    <a:ext uri="{9D8B030D-6E8A-4147-A177-3AD203B41FA5}">
+                      <a16:colId xmlns:a16="http://schemas.microsoft.com/office/drawing/2014/main" val="14533387"/>
+                    </a:ext>
+                  </a:extLst>
+                </a:gridCol>
+                <a:gridCol w="1927058">
+                  <a:extLst>
+                    <a:ext uri="{9D8B030D-6E8A-4147-A177-3AD203B41FA5}">
+                      <a16:colId xmlns:a16="http://schemas.microsoft.com/office/drawing/2014/main" val="429341946"/>
+                    </a:ext>
+                  </a:extLst>
+                </a:gridCol>
+                <a:gridCol w="1927058">
+                  <a:extLst>
+                    <a:ext uri="{9D8B030D-6E8A-4147-A177-3AD203B41FA5}">
+                      <a16:colId xmlns:a16="http://schemas.microsoft.com/office/drawing/2014/main" val="190986599"/>
+                    </a:ext>
+                  </a:extLst>
+                </a:gridCol>
+                <a:gridCol w="1927058">
+                  <a:extLst>
+                    <a:ext uri="{9D8B030D-6E8A-4147-A177-3AD203B41FA5}">
+                      <a16:colId xmlns:a16="http://schemas.microsoft.com/office/drawing/2014/main" val="3291560764"/>
+                    </a:ext>
+                  </a:extLst>
+                </a:gridCol>
+                <a:gridCol w="1927058">
+                  <a:extLst>
+                    <a:ext uri="{9D8B030D-6E8A-4147-A177-3AD203B41FA5}">
+                      <a16:colId xmlns:a16="http://schemas.microsoft.com/office/drawing/2014/main" val="3562168247"/>
+                    </a:ext>
+                  </a:extLst>
+                </a:gridCol>
+              </a:tblGrid>
+              <a:tr h="476116">
+                <a:tc>
+                  <a:txBody>
+                    <a:bodyPr/>
+                    <a:lstStyle/>
+                    <a:p>
+                      <a:r>
+                        <a:rPr lang="en-US" sz="1500" dirty="0"/>
+                        <a:t>Species</a:t>
+                      </a:r>
+                    </a:p>
+                  </a:txBody>
+                  <a:tcPr/>
+                </a:tc>
+                <a:tc>
+                  <a:txBody>
+                    <a:bodyPr/>
+                    <a:lstStyle/>
+                    <a:p>
+                      <a:pPr marL="0" indent="0">
+                        <a:buNone/>
+                      </a:pPr>
+                      <a:r>
+                        <a:rPr lang="en-US" sz="1500" dirty="0"/>
+                        <a:t>B. </a:t>
+                      </a:r>
+                      <a:r>
+                        <a:rPr lang="en-US" sz="1500" dirty="0" err="1"/>
+                        <a:t>cellulosilyticus</a:t>
+                      </a:r>
+                      <a:endParaRPr lang="en-US" sz="1500" dirty="0"/>
+                    </a:p>
+                  </a:txBody>
+                  <a:tcPr/>
+                </a:tc>
+                <a:tc>
+                  <a:txBody>
+                    <a:bodyPr/>
+                    <a:lstStyle/>
+                    <a:p>
+                      <a:pPr marL="0" marR="0" lvl="0" indent="0" algn="l" defTabSz="914400" rtl="0" eaLnBrk="1" fontAlgn="auto" latinLnBrk="0" hangingPunct="1">
+                        <a:lnSpc>
+                          <a:spcPct val="100000"/>
+                        </a:lnSpc>
+                        <a:spcBef>
+                          <a:spcPts val="0"/>
+                        </a:spcBef>
+                        <a:spcAft>
+                          <a:spcPts val="0"/>
+                        </a:spcAft>
+                        <a:buClrTx/>
+                        <a:buSzTx/>
+                        <a:buFontTx/>
+                        <a:buNone/>
+                        <a:tabLst/>
+                        <a:defRPr/>
+                      </a:pPr>
+                      <a:r>
+                        <a:rPr lang="en-US" sz="1500" dirty="0"/>
+                        <a:t>B. fragilis</a:t>
+                      </a:r>
+                    </a:p>
+                    <a:p>
+                      <a:pPr marL="0" indent="0">
+                        <a:buNone/>
+                      </a:pPr>
+                      <a:endParaRPr lang="en-US" sz="1500" dirty="0"/>
+                    </a:p>
+                  </a:txBody>
+                  <a:tcPr/>
+                </a:tc>
+                <a:tc>
+                  <a:txBody>
+                    <a:bodyPr/>
+                    <a:lstStyle/>
+                    <a:p>
+                      <a:pPr marL="0" indent="0">
+                        <a:buNone/>
+                      </a:pPr>
+                      <a:r>
+                        <a:rPr lang="en-US" sz="1500" dirty="0"/>
+                        <a:t>B. </a:t>
+                      </a:r>
+                      <a:r>
+                        <a:rPr lang="en-US" sz="1500" dirty="0" err="1"/>
+                        <a:t>massiliensis</a:t>
+                      </a:r>
+                      <a:endParaRPr lang="en-US" sz="1500" dirty="0"/>
+                    </a:p>
+                  </a:txBody>
+                  <a:tcPr/>
+                </a:tc>
+                <a:tc>
+                  <a:txBody>
+                    <a:bodyPr/>
+                    <a:lstStyle/>
+                    <a:p>
+                      <a:pPr marL="0" indent="0">
+                        <a:buNone/>
+                      </a:pPr>
+                      <a:r>
+                        <a:rPr lang="en-US" sz="1500" dirty="0"/>
+                        <a:t>B. </a:t>
+                      </a:r>
+                      <a:r>
+                        <a:rPr lang="en-US" sz="1500"/>
+                        <a:t>xylanisolvens</a:t>
+                      </a:r>
+                      <a:endParaRPr lang="en-US" sz="1500" dirty="0"/>
+                    </a:p>
+                  </a:txBody>
+                  <a:tcPr/>
+                </a:tc>
+                <a:tc>
+                  <a:txBody>
+                    <a:bodyPr/>
+                    <a:lstStyle/>
+                    <a:p>
+                      <a:r>
+                        <a:rPr lang="en-US" sz="1500" dirty="0"/>
+                        <a:t>E. </a:t>
+                      </a:r>
+                      <a:r>
+                        <a:rPr lang="en-US" sz="1500" dirty="0" err="1"/>
+                        <a:t>rectale</a:t>
+                      </a:r>
+                      <a:endParaRPr lang="en-US" sz="1500" dirty="0"/>
+                    </a:p>
+                  </a:txBody>
+                  <a:tcPr/>
+                </a:tc>
+                <a:extLst>
+                  <a:ext uri="{0D108BD9-81ED-4DB2-BD59-A6C34878D82A}">
+                    <a16:rowId xmlns:a16="http://schemas.microsoft.com/office/drawing/2014/main" val="3127817436"/>
+                  </a:ext>
+                </a:extLst>
+              </a:tr>
+              <a:tr h="476116">
+                <a:tc>
+                  <a:txBody>
+                    <a:bodyPr/>
+                    <a:lstStyle/>
+                    <a:p>
+                      <a:r>
+                        <a:rPr lang="en-US" sz="1500" dirty="0"/>
+                        <a:t>Two Epoch</a:t>
+                      </a:r>
+                    </a:p>
+                  </a:txBody>
+                  <a:tcPr/>
+                </a:tc>
+                <a:tc>
+                  <a:txBody>
+                    <a:bodyPr/>
+                    <a:lstStyle/>
+                    <a:p>
+                      <a:r>
+                        <a:rPr lang="en-US" sz="1500" dirty="0"/>
+                        <a:t>-1167.48967523</a:t>
+                      </a:r>
+                    </a:p>
+                  </a:txBody>
+                  <a:tcPr/>
+                </a:tc>
+                <a:tc>
+                  <a:txBody>
+                    <a:bodyPr/>
+                    <a:lstStyle/>
+                    <a:p>
+                      <a:r>
+                        <a:rPr lang="en-US" sz="1500" dirty="0"/>
+                        <a:t>-311.019501502</a:t>
+                      </a:r>
+                    </a:p>
+                  </a:txBody>
+                  <a:tcPr/>
+                </a:tc>
+                <a:tc>
+                  <a:txBody>
+                    <a:bodyPr/>
+                    <a:lstStyle/>
+                    <a:p>
+                      <a:r>
+                        <a:rPr lang="en-US" sz="1500" dirty="0"/>
+                        <a:t>-20.3617449819</a:t>
+                      </a:r>
+                    </a:p>
+                  </a:txBody>
+                  <a:tcPr/>
+                </a:tc>
+                <a:tc>
+                  <a:txBody>
+                    <a:bodyPr/>
+                    <a:lstStyle/>
+                    <a:p>
+                      <a:r>
+                        <a:rPr lang="en-US" sz="1500" dirty="0"/>
+                        <a:t>-166.062898282</a:t>
+                      </a:r>
+                    </a:p>
+                  </a:txBody>
+                  <a:tcPr/>
+                </a:tc>
+                <a:tc>
+                  <a:txBody>
+                    <a:bodyPr/>
+                    <a:lstStyle/>
+                    <a:p>
+                      <a:r>
+                        <a:rPr lang="en-US" sz="1500" dirty="0"/>
+                        <a:t>-621.966130869cd ..</a:t>
+                      </a:r>
+                    </a:p>
+                  </a:txBody>
+                  <a:tcPr/>
+                </a:tc>
+                <a:extLst>
+                  <a:ext uri="{0D108BD9-81ED-4DB2-BD59-A6C34878D82A}">
+                    <a16:rowId xmlns:a16="http://schemas.microsoft.com/office/drawing/2014/main" val="403070783"/>
+                  </a:ext>
+                </a:extLst>
+              </a:tr>
+              <a:tr h="476116">
+                <a:tc>
+                  <a:txBody>
+                    <a:bodyPr/>
+                    <a:lstStyle/>
+                    <a:p>
+                      <a:r>
+                        <a:rPr lang="en-US" sz="1500" dirty="0"/>
+                        <a:t>One Epoch (SNM)</a:t>
+                      </a:r>
+                    </a:p>
+                  </a:txBody>
+                  <a:tcPr/>
+                </a:tc>
+                <a:tc>
+                  <a:txBody>
+                    <a:bodyPr/>
+                    <a:lstStyle/>
+                    <a:p>
+                      <a:r>
+                        <a:rPr lang="en-US" sz="1500" dirty="0"/>
+                        <a:t>-1167.48954551</a:t>
+                      </a:r>
+                    </a:p>
+                  </a:txBody>
+                  <a:tcPr/>
+                </a:tc>
+                <a:tc>
+                  <a:txBody>
+                    <a:bodyPr/>
+                    <a:lstStyle/>
+                    <a:p>
+                      <a:r>
+                        <a:rPr lang="en-US" sz="1500" dirty="0"/>
+                        <a:t>-311.019473484</a:t>
+                      </a:r>
+                    </a:p>
+                  </a:txBody>
+                  <a:tcPr/>
+                </a:tc>
+                <a:tc>
+                  <a:txBody>
+                    <a:bodyPr/>
+                    <a:lstStyle/>
+                    <a:p>
+                      <a:r>
+                        <a:rPr lang="en-US" sz="1500" dirty="0"/>
+                        <a:t>-20.3617427569</a:t>
+                      </a:r>
+                    </a:p>
+                  </a:txBody>
+                  <a:tcPr/>
+                </a:tc>
+                <a:tc>
+                  <a:txBody>
+                    <a:bodyPr/>
+                    <a:lstStyle/>
+                    <a:p>
+                      <a:r>
+                        <a:rPr lang="en-US" sz="1500" dirty="0"/>
+                        <a:t>-166.0628826</a:t>
+                      </a:r>
+                    </a:p>
+                  </a:txBody>
+                  <a:tcPr/>
+                </a:tc>
+                <a:tc>
+                  <a:txBody>
+                    <a:bodyPr/>
+                    <a:lstStyle/>
+                    <a:p>
+                      <a:r>
+                        <a:rPr lang="en-US" sz="1500" dirty="0"/>
+                        <a:t>-621.965862866</a:t>
+                      </a:r>
+                    </a:p>
+                  </a:txBody>
+                  <a:tcPr/>
+                </a:tc>
+                <a:extLst>
+                  <a:ext uri="{0D108BD9-81ED-4DB2-BD59-A6C34878D82A}">
+                    <a16:rowId xmlns:a16="http://schemas.microsoft.com/office/drawing/2014/main" val="363249991"/>
+                  </a:ext>
+                </a:extLst>
+              </a:tr>
+              <a:tr h="476116">
+                <a:tc>
+                  <a:txBody>
+                    <a:bodyPr/>
+                    <a:lstStyle/>
+                    <a:p>
+                      <a:r>
+                        <a:rPr lang="en-US" sz="1500" dirty="0"/>
+                        <a:t>Expected SFS</a:t>
+                      </a:r>
+                    </a:p>
+                  </a:txBody>
+                  <a:tcPr/>
+                </a:tc>
+                <a:tc>
+                  <a:txBody>
+                    <a:bodyPr/>
+                    <a:lstStyle/>
+                    <a:p>
+                      <a:r>
+                        <a:rPr lang="en-US" sz="1500" dirty="0"/>
+                        <a:t>-2121.931351238299</a:t>
+                      </a:r>
+                    </a:p>
+                  </a:txBody>
+                  <a:tcPr/>
+                </a:tc>
+                <a:tc>
+                  <a:txBody>
+                    <a:bodyPr/>
+                    <a:lstStyle/>
+                    <a:p>
+                      <a:r>
+                        <a:rPr lang="en-US" sz="1500" dirty="0"/>
+                        <a:t>-719.8653881579271</a:t>
+                      </a:r>
+                    </a:p>
+                  </a:txBody>
+                  <a:tcPr/>
+                </a:tc>
+                <a:tc>
+                  <a:txBody>
+                    <a:bodyPr/>
+                    <a:lstStyle/>
+                    <a:p>
+                      <a:r>
+                        <a:rPr lang="en-US" sz="1500" dirty="0"/>
+                        <a:t>-24.10375941831562</a:t>
+                      </a:r>
+                    </a:p>
+                  </a:txBody>
+                  <a:tcPr/>
+                </a:tc>
+                <a:tc>
+                  <a:txBody>
+                    <a:bodyPr/>
+                    <a:lstStyle/>
+                    <a:p>
+                      <a:r>
+                        <a:rPr lang="en-US" sz="1500" dirty="0"/>
+                        <a:t>-235.6429891109268</a:t>
+                      </a:r>
+                    </a:p>
+                  </a:txBody>
+                  <a:tcPr/>
+                </a:tc>
+                <a:tc>
+                  <a:txBody>
+                    <a:bodyPr/>
+                    <a:lstStyle/>
+                    <a:p>
+                      <a:r>
+                        <a:rPr lang="en-US" sz="1500" dirty="0"/>
+                        <a:t>-1553.589568798795</a:t>
+                      </a:r>
+                    </a:p>
+                  </a:txBody>
+                  <a:tcPr/>
+                </a:tc>
+                <a:extLst>
+                  <a:ext uri="{0D108BD9-81ED-4DB2-BD59-A6C34878D82A}">
+                    <a16:rowId xmlns:a16="http://schemas.microsoft.com/office/drawing/2014/main" val="3929492414"/>
+                  </a:ext>
+                </a:extLst>
+              </a:tr>
+            </a:tbl>
+          </a:graphicData>
+        </a:graphic>
+      </p:graphicFrame>
+    </p:spTree>
+    <p:extLst>
+      <p:ext uri="{BB962C8B-B14F-4D97-AF65-F5344CB8AC3E}">
+        <p14:creationId xmlns:p14="http://schemas.microsoft.com/office/powerpoint/2010/main" val="3869209520"/>
       </p:ext>
     </p:extLst>
   </p:cSld>
